--- a/Documentos/Presentación 15 de Diciembre de 2020.pptx
+++ b/Documentos/Presentación 15 de Diciembre de 2020.pptx
@@ -207,7 +207,7 @@
           <a:p>
             <a:fld id="{D42B63A8-CA22-F249-8B11-75777F973014}" type="datetimeFigureOut">
               <a:rPr lang="es-ES_tradnl" smtClean="0"/>
-              <a:t>14/12/2020</a:t>
+              <a:t>15/12/2020</a:t>
             </a:fld>
             <a:endParaRPr lang="es-ES_tradnl"/>
           </a:p>
@@ -1494,7 +1494,7 @@
           <a:p>
             <a:fld id="{6C5AE33D-32CE-4125-A2FD-63556E695E13}" type="datetimeFigureOut">
               <a:rPr lang="es-CO" smtClean="0"/>
-              <a:t>14/12/2020</a:t>
+              <a:t>15/12/2020</a:t>
             </a:fld>
             <a:endParaRPr lang="es-CO"/>
           </a:p>
@@ -2178,40 +2178,13 @@
           <a:p>
             <a:pPr algn="l"/>
             <a:r>
-              <a:rPr lang="es-CO" sz="4900" b="1" dirty="0" err="1">
+              <a:rPr lang="es-CO" sz="4900" b="1" dirty="0">
                 <a:solidFill>
                   <a:schemeClr val="tx1"/>
                 </a:solidFill>
                 <a:latin typeface="Century Gothic" panose="020B0502020202020204" pitchFamily="34" charset="0"/>
               </a:rPr>
-              <a:t>Sensitivity</a:t>
-            </a:r>
-            <a:r>
-              <a:rPr lang="es-CO" sz="4900" b="1" dirty="0">
-                <a:solidFill>
-                  <a:schemeClr val="tx1"/>
-                </a:solidFill>
-                <a:latin typeface="Century Gothic" panose="020B0502020202020204" pitchFamily="34" charset="0"/>
-              </a:rPr>
-              <a:t> </a:t>
-            </a:r>
-            <a:r>
-              <a:rPr lang="es-CO" sz="4900" b="1" dirty="0" err="1">
-                <a:solidFill>
-                  <a:schemeClr val="tx1"/>
-                </a:solidFill>
-                <a:latin typeface="Century Gothic" panose="020B0502020202020204" pitchFamily="34" charset="0"/>
-              </a:rPr>
-              <a:t>analysis</a:t>
-            </a:r>
-            <a:r>
-              <a:rPr lang="es-CO" sz="4900" b="1" dirty="0">
-                <a:solidFill>
-                  <a:schemeClr val="tx1"/>
-                </a:solidFill>
-                <a:latin typeface="Century Gothic" panose="020B0502020202020204" pitchFamily="34" charset="0"/>
-              </a:rPr>
-              <a:t>.</a:t>
+              <a:t>Sensitivity analysis.</a:t>
             </a:r>
             <a:br>
               <a:rPr lang="es-CO" b="1" dirty="0">
@@ -2374,26 +2347,11 @@
           <a:p>
             <a:pPr algn="l"/>
             <a:r>
-              <a:rPr lang="es-CO" b="1" dirty="0" err="1">
-                <a:latin typeface="Century Gothic" panose="020B0502020202020204" pitchFamily="34" charset="0"/>
-              </a:rPr>
-              <a:t>Sensitivity</a:t>
-            </a:r>
-            <a:r>
               <a:rPr lang="es-CO" b="1" dirty="0">
                 <a:latin typeface="Century Gothic" panose="020B0502020202020204" pitchFamily="34" charset="0"/>
               </a:rPr>
-              <a:t> </a:t>
-            </a:r>
-            <a:r>
-              <a:rPr lang="es-CO" b="1" dirty="0" err="1">
-                <a:latin typeface="Century Gothic" panose="020B0502020202020204" pitchFamily="34" charset="0"/>
-              </a:rPr>
-              <a:t>analysis</a:t>
-            </a:r>
-            <a:endParaRPr lang="es-CO" b="1" dirty="0">
-              <a:latin typeface="Century Gothic" panose="020B0502020202020204" pitchFamily="34" charset="0"/>
-            </a:endParaRPr>
+              <a:t>Sensitivity analysis</a:t>
+            </a:r>
           </a:p>
         </p:txBody>
       </p:sp>
@@ -2470,7 +2428,7 @@
               <a:rPr lang="es-CO" sz="2800" dirty="0" err="1">
                 <a:latin typeface="Century Gothic" panose="020B0502020202020204" pitchFamily="34" charset="0"/>
               </a:rPr>
-              <a:t>made</a:t>
+              <a:t>included</a:t>
             </a:r>
             <a:r>
               <a:rPr lang="es-CO" sz="2800" dirty="0">
@@ -2612,40 +2570,13 @@
               <a:buAutoNum type="arabicPeriod"/>
             </a:pPr>
             <a:r>
-              <a:rPr lang="es-CO" sz="2800" dirty="0" err="1">
+              <a:rPr lang="es-CO" sz="2800" dirty="0">
                 <a:solidFill>
                   <a:schemeClr val="tx1"/>
                 </a:solidFill>
                 <a:latin typeface="Century Gothic" panose="020B0502020202020204" pitchFamily="34" charset="0"/>
               </a:rPr>
-              <a:t>Sensitivity</a:t>
-            </a:r>
-            <a:r>
-              <a:rPr lang="es-CO" sz="2800" dirty="0">
-                <a:solidFill>
-                  <a:schemeClr val="tx1"/>
-                </a:solidFill>
-                <a:latin typeface="Century Gothic" panose="020B0502020202020204" pitchFamily="34" charset="0"/>
-              </a:rPr>
-              <a:t> </a:t>
-            </a:r>
-            <a:r>
-              <a:rPr lang="es-CO" sz="2800" dirty="0" err="1">
-                <a:solidFill>
-                  <a:schemeClr val="tx1"/>
-                </a:solidFill>
-                <a:latin typeface="Century Gothic" panose="020B0502020202020204" pitchFamily="34" charset="0"/>
-              </a:rPr>
-              <a:t>analysis</a:t>
-            </a:r>
-            <a:r>
-              <a:rPr lang="es-CO" sz="2800" dirty="0">
-                <a:solidFill>
-                  <a:schemeClr val="tx1"/>
-                </a:solidFill>
-                <a:latin typeface="Century Gothic" panose="020B0502020202020204" pitchFamily="34" charset="0"/>
-              </a:rPr>
-              <a:t>.</a:t>
+              <a:t>Sensitivity analysis.</a:t>
             </a:r>
             <a:endParaRPr lang="es-CO" sz="2800" dirty="0">
               <a:latin typeface="Century Gothic" panose="020B0502020202020204" pitchFamily="34" charset="0"/>
@@ -3081,7 +3012,7 @@
                 <a:ea typeface="Calibri" panose="020F0502020204030204" pitchFamily="34" charset="0"/>
                 <a:cs typeface="Times New Roman" panose="02020603050405020304" pitchFamily="18" charset="0"/>
               </a:rPr>
-              <a:t>Feedback</a:t>
+              <a:t>Government</a:t>
             </a:r>
             <a:r>
               <a:rPr lang="es-CO" sz="2000" dirty="0">
@@ -3097,7 +3028,7 @@
                 <a:ea typeface="Calibri" panose="020F0502020204030204" pitchFamily="34" charset="0"/>
                 <a:cs typeface="Times New Roman" panose="02020603050405020304" pitchFamily="18" charset="0"/>
               </a:rPr>
-              <a:t>between</a:t>
+              <a:t>monetary</a:t>
             </a:r>
             <a:r>
               <a:rPr lang="es-CO" sz="2000" dirty="0">
@@ -3113,7 +3044,7 @@
                 <a:ea typeface="Calibri" panose="020F0502020204030204" pitchFamily="34" charset="0"/>
                 <a:cs typeface="Times New Roman" panose="02020603050405020304" pitchFamily="18" charset="0"/>
               </a:rPr>
-              <a:t>labour</a:t>
+              <a:t>transfers</a:t>
             </a:r>
             <a:r>
               <a:rPr lang="es-CO" sz="2000" dirty="0">
@@ -3129,7 +3060,7 @@
                 <a:ea typeface="Calibri" panose="020F0502020204030204" pitchFamily="34" charset="0"/>
                 <a:cs typeface="Times New Roman" panose="02020603050405020304" pitchFamily="18" charset="0"/>
               </a:rPr>
-              <a:t>productivity</a:t>
+              <a:t>linked</a:t>
             </a:r>
             <a:r>
               <a:rPr lang="es-CO" sz="2000" dirty="0">
@@ -3137,7 +3068,7 @@
                 <a:ea typeface="Calibri" panose="020F0502020204030204" pitchFamily="34" charset="0"/>
                 <a:cs typeface="Times New Roman" panose="02020603050405020304" pitchFamily="18" charset="0"/>
               </a:rPr>
-              <a:t> and </a:t>
+              <a:t> </a:t>
             </a:r>
             <a:r>
               <a:rPr lang="es-CO" sz="2000" dirty="0" err="1">
@@ -3145,7 +3076,7 @@
                 <a:ea typeface="Calibri" panose="020F0502020204030204" pitchFamily="34" charset="0"/>
                 <a:cs typeface="Times New Roman" panose="02020603050405020304" pitchFamily="18" charset="0"/>
               </a:rPr>
-              <a:t>public</a:t>
+              <a:t>to</a:t>
             </a:r>
             <a:r>
               <a:rPr lang="es-CO" sz="2000" dirty="0">
@@ -3153,7 +3084,7 @@
                 <a:ea typeface="Calibri" panose="020F0502020204030204" pitchFamily="34" charset="0"/>
                 <a:cs typeface="Times New Roman" panose="02020603050405020304" pitchFamily="18" charset="0"/>
               </a:rPr>
-              <a:t> </a:t>
+              <a:t> a share </a:t>
             </a:r>
             <a:r>
               <a:rPr lang="es-CO" sz="2000" dirty="0" err="1">
@@ -3161,7 +3092,23 @@
                 <a:ea typeface="Calibri" panose="020F0502020204030204" pitchFamily="34" charset="0"/>
                 <a:cs typeface="Times New Roman" panose="02020603050405020304" pitchFamily="18" charset="0"/>
               </a:rPr>
-              <a:t>investment</a:t>
+              <a:t>of</a:t>
+            </a:r>
+            <a:r>
+              <a:rPr lang="es-CO" sz="2000" dirty="0">
+                <a:latin typeface="Century Gothic" panose="020B0502020202020204" pitchFamily="34" charset="0"/>
+                <a:ea typeface="Calibri" panose="020F0502020204030204" pitchFamily="34" charset="0"/>
+                <a:cs typeface="Times New Roman" panose="02020603050405020304" pitchFamily="18" charset="0"/>
+              </a:rPr>
+              <a:t> total </a:t>
+            </a:r>
+            <a:r>
+              <a:rPr lang="es-CO" sz="2000" dirty="0" err="1">
+                <a:latin typeface="Century Gothic" panose="020B0502020202020204" pitchFamily="34" charset="0"/>
+                <a:ea typeface="Calibri" panose="020F0502020204030204" pitchFamily="34" charset="0"/>
+                <a:cs typeface="Times New Roman" panose="02020603050405020304" pitchFamily="18" charset="0"/>
+              </a:rPr>
+              <a:t>population</a:t>
             </a:r>
             <a:r>
               <a:rPr lang="es-CO" sz="2000" dirty="0">
@@ -3181,12 +3128,20 @@
               <a:buAutoNum type="arabicPeriod"/>
             </a:pPr>
             <a:r>
+              <a:rPr lang="es-CO" sz="2000" dirty="0">
+                <a:latin typeface="Century Gothic" panose="020B0502020202020204" pitchFamily="34" charset="0"/>
+                <a:ea typeface="Calibri" panose="020F0502020204030204" pitchFamily="34" charset="0"/>
+                <a:cs typeface="Times New Roman" panose="02020603050405020304" pitchFamily="18" charset="0"/>
+              </a:rPr>
+              <a:t>More </a:t>
+            </a:r>
+            <a:r>
               <a:rPr lang="es-CO" sz="2000" dirty="0" err="1">
                 <a:latin typeface="Century Gothic" panose="020B0502020202020204" pitchFamily="34" charset="0"/>
                 <a:ea typeface="Calibri" panose="020F0502020204030204" pitchFamily="34" charset="0"/>
                 <a:cs typeface="Times New Roman" panose="02020603050405020304" pitchFamily="18" charset="0"/>
               </a:rPr>
-              <a:t>Government</a:t>
+              <a:t>detailed</a:t>
             </a:r>
             <a:r>
               <a:rPr lang="es-CO" sz="2000" dirty="0">
@@ -3202,7 +3157,7 @@
                 <a:ea typeface="Calibri" panose="020F0502020204030204" pitchFamily="34" charset="0"/>
                 <a:cs typeface="Times New Roman" panose="02020603050405020304" pitchFamily="18" charset="0"/>
               </a:rPr>
-              <a:t>monetary</a:t>
+              <a:t>tax</a:t>
             </a:r>
             <a:r>
               <a:rPr lang="es-CO" sz="2000" dirty="0">
@@ -3218,7 +3173,7 @@
                 <a:ea typeface="Calibri" panose="020F0502020204030204" pitchFamily="34" charset="0"/>
                 <a:cs typeface="Times New Roman" panose="02020603050405020304" pitchFamily="18" charset="0"/>
               </a:rPr>
-              <a:t>transfers</a:t>
+              <a:t>structure</a:t>
             </a:r>
             <a:r>
               <a:rPr lang="es-CO" sz="2000" dirty="0">
@@ -3226,6 +3181,22 @@
                 <a:ea typeface="Calibri" panose="020F0502020204030204" pitchFamily="34" charset="0"/>
                 <a:cs typeface="Times New Roman" panose="02020603050405020304" pitchFamily="18" charset="0"/>
               </a:rPr>
+              <a:t>: </a:t>
+            </a:r>
+            <a:r>
+              <a:rPr lang="es-CO" sz="2000" dirty="0" err="1">
+                <a:latin typeface="Century Gothic" panose="020B0502020202020204" pitchFamily="34" charset="0"/>
+                <a:ea typeface="Calibri" panose="020F0502020204030204" pitchFamily="34" charset="0"/>
+                <a:cs typeface="Times New Roman" panose="02020603050405020304" pitchFamily="18" charset="0"/>
+              </a:rPr>
+              <a:t>consumption</a:t>
+            </a:r>
+            <a:r>
+              <a:rPr lang="es-CO" sz="2000" dirty="0">
+                <a:latin typeface="Century Gothic" panose="020B0502020202020204" pitchFamily="34" charset="0"/>
+                <a:ea typeface="Calibri" panose="020F0502020204030204" pitchFamily="34" charset="0"/>
+                <a:cs typeface="Times New Roman" panose="02020603050405020304" pitchFamily="18" charset="0"/>
+              </a:rPr>
               <a:t> </a:t>
             </a:r>
             <a:r>
@@ -3234,7 +3205,7 @@
                 <a:ea typeface="Calibri" panose="020F0502020204030204" pitchFamily="34" charset="0"/>
                 <a:cs typeface="Times New Roman" panose="02020603050405020304" pitchFamily="18" charset="0"/>
               </a:rPr>
-              <a:t>linked</a:t>
+              <a:t>tax</a:t>
             </a:r>
             <a:r>
               <a:rPr lang="es-CO" sz="2000" dirty="0">
@@ -3242,55 +3213,7 @@
                 <a:ea typeface="Calibri" panose="020F0502020204030204" pitchFamily="34" charset="0"/>
                 <a:cs typeface="Times New Roman" panose="02020603050405020304" pitchFamily="18" charset="0"/>
               </a:rPr>
-              <a:t> </a:t>
-            </a:r>
-            <a:r>
-              <a:rPr lang="es-CO" sz="2000" dirty="0" err="1">
-                <a:latin typeface="Century Gothic" panose="020B0502020202020204" pitchFamily="34" charset="0"/>
-                <a:ea typeface="Calibri" panose="020F0502020204030204" pitchFamily="34" charset="0"/>
-                <a:cs typeface="Times New Roman" panose="02020603050405020304" pitchFamily="18" charset="0"/>
-              </a:rPr>
-              <a:t>to</a:t>
-            </a:r>
-            <a:r>
-              <a:rPr lang="es-CO" sz="2000" dirty="0">
-                <a:latin typeface="Century Gothic" panose="020B0502020202020204" pitchFamily="34" charset="0"/>
-                <a:ea typeface="Calibri" panose="020F0502020204030204" pitchFamily="34" charset="0"/>
-                <a:cs typeface="Times New Roman" panose="02020603050405020304" pitchFamily="18" charset="0"/>
-              </a:rPr>
-              <a:t> a share </a:t>
-            </a:r>
-            <a:r>
-              <a:rPr lang="es-CO" sz="2000" dirty="0" err="1">
-                <a:latin typeface="Century Gothic" panose="020B0502020202020204" pitchFamily="34" charset="0"/>
-                <a:ea typeface="Calibri" panose="020F0502020204030204" pitchFamily="34" charset="0"/>
-                <a:cs typeface="Times New Roman" panose="02020603050405020304" pitchFamily="18" charset="0"/>
-              </a:rPr>
-              <a:t>of</a:t>
-            </a:r>
-            <a:r>
-              <a:rPr lang="es-CO" sz="2000" dirty="0">
-                <a:latin typeface="Century Gothic" panose="020B0502020202020204" pitchFamily="34" charset="0"/>
-                <a:ea typeface="Calibri" panose="020F0502020204030204" pitchFamily="34" charset="0"/>
-                <a:cs typeface="Times New Roman" panose="02020603050405020304" pitchFamily="18" charset="0"/>
-              </a:rPr>
-              <a:t> total </a:t>
-            </a:r>
-            <a:r>
-              <a:rPr lang="es-CO" sz="2000" dirty="0" err="1">
-                <a:latin typeface="Century Gothic" panose="020B0502020202020204" pitchFamily="34" charset="0"/>
-                <a:ea typeface="Calibri" panose="020F0502020204030204" pitchFamily="34" charset="0"/>
-                <a:cs typeface="Times New Roman" panose="02020603050405020304" pitchFamily="18" charset="0"/>
-              </a:rPr>
-              <a:t>population</a:t>
-            </a:r>
-            <a:r>
-              <a:rPr lang="es-CO" sz="2000" dirty="0">
-                <a:latin typeface="Century Gothic" panose="020B0502020202020204" pitchFamily="34" charset="0"/>
-                <a:ea typeface="Calibri" panose="020F0502020204030204" pitchFamily="34" charset="0"/>
-                <a:cs typeface="Times New Roman" panose="02020603050405020304" pitchFamily="18" charset="0"/>
-              </a:rPr>
-              <a:t>. </a:t>
+              <a:t> and royalties (proxy)</a:t>
             </a:r>
           </a:p>
           <a:p>
@@ -3302,12 +3225,20 @@
               <a:buAutoNum type="arabicPeriod"/>
             </a:pPr>
             <a:r>
+              <a:rPr lang="es-CO" sz="2000" dirty="0" err="1">
+                <a:latin typeface="Century Gothic" panose="020B0502020202020204" pitchFamily="34" charset="0"/>
+                <a:ea typeface="Calibri" panose="020F0502020204030204" pitchFamily="34" charset="0"/>
+                <a:cs typeface="Times New Roman" panose="02020603050405020304" pitchFamily="18" charset="0"/>
+              </a:rPr>
+              <a:t>Autonomous</a:t>
+            </a:r>
+            <a:r>
               <a:rPr lang="es-CO" sz="2000" dirty="0">
                 <a:latin typeface="Century Gothic" panose="020B0502020202020204" pitchFamily="34" charset="0"/>
                 <a:ea typeface="Calibri" panose="020F0502020204030204" pitchFamily="34" charset="0"/>
                 <a:cs typeface="Times New Roman" panose="02020603050405020304" pitchFamily="18" charset="0"/>
               </a:rPr>
-              <a:t>More </a:t>
+              <a:t> </a:t>
             </a:r>
             <a:r>
               <a:rPr lang="es-CO" sz="2000" dirty="0" err="1">
@@ -3315,7 +3246,7 @@
                 <a:ea typeface="Calibri" panose="020F0502020204030204" pitchFamily="34" charset="0"/>
                 <a:cs typeface="Times New Roman" panose="02020603050405020304" pitchFamily="18" charset="0"/>
               </a:rPr>
-              <a:t>detailed</a:t>
+              <a:t>exports</a:t>
             </a:r>
             <a:r>
               <a:rPr lang="es-CO" sz="2000" dirty="0">
@@ -3323,116 +3254,14 @@
                 <a:ea typeface="Calibri" panose="020F0502020204030204" pitchFamily="34" charset="0"/>
                 <a:cs typeface="Times New Roman" panose="02020603050405020304" pitchFamily="18" charset="0"/>
               </a:rPr>
-              <a:t> </a:t>
-            </a:r>
-            <a:r>
-              <a:rPr lang="es-CO" sz="2000" dirty="0" err="1">
-                <a:latin typeface="Century Gothic" panose="020B0502020202020204" pitchFamily="34" charset="0"/>
-                <a:ea typeface="Calibri" panose="020F0502020204030204" pitchFamily="34" charset="0"/>
-                <a:cs typeface="Times New Roman" panose="02020603050405020304" pitchFamily="18" charset="0"/>
-              </a:rPr>
-              <a:t>tax</a:t>
-            </a:r>
-            <a:r>
-              <a:rPr lang="es-CO" sz="2000" dirty="0">
-                <a:latin typeface="Century Gothic" panose="020B0502020202020204" pitchFamily="34" charset="0"/>
-                <a:ea typeface="Calibri" panose="020F0502020204030204" pitchFamily="34" charset="0"/>
-                <a:cs typeface="Times New Roman" panose="02020603050405020304" pitchFamily="18" charset="0"/>
-              </a:rPr>
-              <a:t> </a:t>
-            </a:r>
-            <a:r>
-              <a:rPr lang="es-CO" sz="2000" dirty="0" err="1">
-                <a:latin typeface="Century Gothic" panose="020B0502020202020204" pitchFamily="34" charset="0"/>
-                <a:ea typeface="Calibri" panose="020F0502020204030204" pitchFamily="34" charset="0"/>
-                <a:cs typeface="Times New Roman" panose="02020603050405020304" pitchFamily="18" charset="0"/>
-              </a:rPr>
-              <a:t>structure</a:t>
-            </a:r>
-            <a:r>
-              <a:rPr lang="es-CO" sz="2000" dirty="0">
-                <a:latin typeface="Century Gothic" panose="020B0502020202020204" pitchFamily="34" charset="0"/>
-                <a:ea typeface="Calibri" panose="020F0502020204030204" pitchFamily="34" charset="0"/>
-                <a:cs typeface="Times New Roman" panose="02020603050405020304" pitchFamily="18" charset="0"/>
-              </a:rPr>
-              <a:t>: </a:t>
-            </a:r>
-            <a:r>
-              <a:rPr lang="es-CO" sz="2000" dirty="0" err="1">
-                <a:latin typeface="Century Gothic" panose="020B0502020202020204" pitchFamily="34" charset="0"/>
-                <a:ea typeface="Calibri" panose="020F0502020204030204" pitchFamily="34" charset="0"/>
-                <a:cs typeface="Times New Roman" panose="02020603050405020304" pitchFamily="18" charset="0"/>
-              </a:rPr>
-              <a:t>consumption</a:t>
-            </a:r>
-            <a:r>
-              <a:rPr lang="es-CO" sz="2000" dirty="0">
-                <a:latin typeface="Century Gothic" panose="020B0502020202020204" pitchFamily="34" charset="0"/>
-                <a:ea typeface="Calibri" panose="020F0502020204030204" pitchFamily="34" charset="0"/>
-                <a:cs typeface="Times New Roman" panose="02020603050405020304" pitchFamily="18" charset="0"/>
-              </a:rPr>
-              <a:t> </a:t>
-            </a:r>
-            <a:r>
-              <a:rPr lang="es-CO" sz="2000" dirty="0" err="1">
-                <a:latin typeface="Century Gothic" panose="020B0502020202020204" pitchFamily="34" charset="0"/>
-                <a:ea typeface="Calibri" panose="020F0502020204030204" pitchFamily="34" charset="0"/>
-                <a:cs typeface="Times New Roman" panose="02020603050405020304" pitchFamily="18" charset="0"/>
-              </a:rPr>
-              <a:t>tax</a:t>
-            </a:r>
-            <a:r>
-              <a:rPr lang="es-CO" sz="2000" dirty="0">
-                <a:latin typeface="Century Gothic" panose="020B0502020202020204" pitchFamily="34" charset="0"/>
-                <a:ea typeface="Calibri" panose="020F0502020204030204" pitchFamily="34" charset="0"/>
-                <a:cs typeface="Times New Roman" panose="02020603050405020304" pitchFamily="18" charset="0"/>
-              </a:rPr>
-              <a:t> and royalties (proxy)</a:t>
-            </a:r>
-          </a:p>
-          <a:p>
-            <a:pPr>
+              <a:t>. </a:t>
+            </a:r>
+          </a:p>
+          <a:p>
+            <a:pPr marL="457200" indent="-457200">
               <a:lnSpc>
                 <a:spcPct val="150000"/>
               </a:lnSpc>
-              <a:buFont typeface="+mj-lt"/>
-              <a:buAutoNum type="arabicPeriod"/>
-            </a:pPr>
-            <a:r>
-              <a:rPr lang="es-CO" sz="2000" dirty="0" err="1">
-                <a:latin typeface="Century Gothic" panose="020B0502020202020204" pitchFamily="34" charset="0"/>
-                <a:ea typeface="Calibri" panose="020F0502020204030204" pitchFamily="34" charset="0"/>
-                <a:cs typeface="Times New Roman" panose="02020603050405020304" pitchFamily="18" charset="0"/>
-              </a:rPr>
-              <a:t>Autonomous</a:t>
-            </a:r>
-            <a:r>
-              <a:rPr lang="es-CO" sz="2000" dirty="0">
-                <a:latin typeface="Century Gothic" panose="020B0502020202020204" pitchFamily="34" charset="0"/>
-                <a:ea typeface="Calibri" panose="020F0502020204030204" pitchFamily="34" charset="0"/>
-                <a:cs typeface="Times New Roman" panose="02020603050405020304" pitchFamily="18" charset="0"/>
-              </a:rPr>
-              <a:t> </a:t>
-            </a:r>
-            <a:r>
-              <a:rPr lang="es-CO" sz="2000" dirty="0" err="1">
-                <a:latin typeface="Century Gothic" panose="020B0502020202020204" pitchFamily="34" charset="0"/>
-                <a:ea typeface="Calibri" panose="020F0502020204030204" pitchFamily="34" charset="0"/>
-                <a:cs typeface="Times New Roman" panose="02020603050405020304" pitchFamily="18" charset="0"/>
-              </a:rPr>
-              <a:t>exports</a:t>
-            </a:r>
-            <a:r>
-              <a:rPr lang="es-CO" sz="2000" dirty="0">
-                <a:latin typeface="Century Gothic" panose="020B0502020202020204" pitchFamily="34" charset="0"/>
-                <a:ea typeface="Calibri" panose="020F0502020204030204" pitchFamily="34" charset="0"/>
-                <a:cs typeface="Times New Roman" panose="02020603050405020304" pitchFamily="18" charset="0"/>
-              </a:rPr>
-              <a:t>. </a:t>
-            </a:r>
-          </a:p>
-          <a:p>
-            <a:pPr marL="457200" indent="-457200">
               <a:buAutoNum type="arabicPeriod" startAt="8"/>
             </a:pPr>
             <a:r>
@@ -3471,6 +3300,9 @@
           </a:p>
           <a:p>
             <a:pPr marL="457200" indent="-457200">
+              <a:lnSpc>
+                <a:spcPct val="150000"/>
+              </a:lnSpc>
               <a:buAutoNum type="arabicPeriod" startAt="8"/>
             </a:pPr>
             <a:r>
@@ -3611,7 +3443,26 @@
                 <a:effectLst/>
                 <a:latin typeface="arial" panose="020B0604020202020204" pitchFamily="34" charset="0"/>
               </a:rPr>
-              <a:t>hanges made to the model.</a:t>
+              <a:t>hanges </a:t>
+            </a:r>
+            <a:r>
+              <a:rPr lang="en-US" b="1" dirty="0">
+                <a:solidFill>
+                  <a:srgbClr val="202124"/>
+                </a:solidFill>
+                <a:latin typeface="arial" panose="020B0604020202020204" pitchFamily="34" charset="0"/>
+              </a:rPr>
+              <a:t>included</a:t>
+            </a:r>
+            <a:r>
+              <a:rPr lang="en-US" b="1" i="0" dirty="0">
+                <a:solidFill>
+                  <a:srgbClr val="202124"/>
+                </a:solidFill>
+                <a:effectLst/>
+                <a:latin typeface="arial" panose="020B0604020202020204" pitchFamily="34" charset="0"/>
+              </a:rPr>
+              <a:t> to the model.</a:t>
             </a:r>
             <a:endParaRPr lang="es-CO" b="1" dirty="0">
               <a:latin typeface="Century Gothic" panose="020B0502020202020204" pitchFamily="34" charset="0"/>
@@ -5105,40 +4956,13 @@
           <a:p>
             <a:pPr algn="l"/>
             <a:r>
-              <a:rPr lang="es-CO" b="1" dirty="0" err="1">
+              <a:rPr lang="es-CO" b="1" dirty="0">
                 <a:solidFill>
                   <a:schemeClr val="tx1"/>
                 </a:solidFill>
                 <a:latin typeface="Century Gothic" panose="020B0502020202020204" pitchFamily="34" charset="0"/>
               </a:rPr>
-              <a:t>Sensitivity</a:t>
-            </a:r>
-            <a:r>
-              <a:rPr lang="es-CO" b="1" dirty="0">
-                <a:solidFill>
-                  <a:schemeClr val="tx1"/>
-                </a:solidFill>
-                <a:latin typeface="Century Gothic" panose="020B0502020202020204" pitchFamily="34" charset="0"/>
-              </a:rPr>
-              <a:t> </a:t>
-            </a:r>
-            <a:r>
-              <a:rPr lang="es-CO" b="1" dirty="0" err="1">
-                <a:solidFill>
-                  <a:schemeClr val="tx1"/>
-                </a:solidFill>
-                <a:latin typeface="Century Gothic" panose="020B0502020202020204" pitchFamily="34" charset="0"/>
-              </a:rPr>
-              <a:t>analysis</a:t>
-            </a:r>
-            <a:r>
-              <a:rPr lang="es-CO" b="1" dirty="0">
-                <a:solidFill>
-                  <a:schemeClr val="tx1"/>
-                </a:solidFill>
-                <a:latin typeface="Century Gothic" panose="020B0502020202020204" pitchFamily="34" charset="0"/>
-              </a:rPr>
-              <a:t>.</a:t>
+              <a:t>Sensitivity analysis.</a:t>
             </a:r>
             <a:br>
               <a:rPr lang="es-CO" b="1" dirty="0">
@@ -5169,7 +4993,7 @@
           <p:nvPr>
             <p:extLst>
               <p:ext uri="{D42A27DB-BD31-4B8C-83A1-F6EECF244321}">
-                <p14:modId xmlns:p14="http://schemas.microsoft.com/office/powerpoint/2010/main" val="3732967325"/>
+                <p14:modId xmlns:p14="http://schemas.microsoft.com/office/powerpoint/2010/main" val="2788676828"/>
               </p:ext>
             </p:extLst>
           </p:nvPr>
@@ -5266,10 +5090,16 @@
                     <a:p>
                       <a:pPr algn="ctr"/>
                       <a:r>
+                        <a:rPr lang="es-CO" sz="2400" dirty="0" err="1">
+                          <a:latin typeface="Century Gothic" panose="020B0502020202020204" pitchFamily="34" charset="0"/>
+                        </a:rPr>
+                        <a:t>Optimistic</a:t>
+                      </a:r>
+                      <a:r>
                         <a:rPr lang="es-CO" sz="2400" dirty="0">
                           <a:latin typeface="Century Gothic" panose="020B0502020202020204" pitchFamily="34" charset="0"/>
                         </a:rPr>
-                        <a:t>Positive </a:t>
+                        <a:t> </a:t>
                       </a:r>
                       <a:r>
                         <a:rPr lang="es-CO" sz="2400" dirty="0" err="1">
@@ -5353,7 +5183,25 @@
                           </a:solidFill>
                           <a:latin typeface="Century Gothic" panose="020B0502020202020204" pitchFamily="34" charset="0"/>
                         </a:rPr>
-                        <a:t>growths</a:t>
+                        <a:t>growth</a:t>
+                      </a:r>
+                      <a:r>
+                        <a:rPr lang="es-CO" sz="2400" dirty="0">
+                          <a:solidFill>
+                            <a:schemeClr val="tx1"/>
+                          </a:solidFill>
+                          <a:latin typeface="Century Gothic" panose="020B0502020202020204" pitchFamily="34" charset="0"/>
+                        </a:rPr>
+                        <a:t> </a:t>
+                      </a:r>
+                      <a:r>
+                        <a:rPr lang="es-CO" sz="2400" dirty="0" err="1">
+                          <a:solidFill>
+                            <a:schemeClr val="tx1"/>
+                          </a:solidFill>
+                          <a:latin typeface="Century Gothic" panose="020B0502020202020204" pitchFamily="34" charset="0"/>
+                        </a:rPr>
+                        <a:t>rate</a:t>
                       </a:r>
                       <a:endParaRPr lang="es-CO" sz="2400" dirty="0">
                         <a:solidFill>
@@ -5692,7 +5540,7 @@
                           </a:solidFill>
                           <a:latin typeface="Century Gothic" panose="020B0502020202020204" pitchFamily="34" charset="0"/>
                         </a:rPr>
-                        <a:t>sensibility</a:t>
+                        <a:t>sensitivity</a:t>
                       </a:r>
                       <a:r>
                         <a:rPr lang="es-CO" sz="2400" dirty="0">
